--- a/Assignment 1/Design Brief/design brief.pptx
+++ b/Assignment 1/Design Brief/design brief.pptx
@@ -108,6 +108,11 @@
       </a:defRPr>
     </a:lvl9pPr>
   </p:defaultTextStyle>
+  <p:extLst>
+    <p:ext uri="{EFAFB233-063F-42B5-8137-9DF3F51BA10A}">
+      <p15:sldGuideLst xmlns:p15="http://schemas.microsoft.com/office/powerpoint/2012/main"/>
+    </p:ext>
+  </p:extLst>
 </p:presentation>
 </file>
 
@@ -295,7 +300,7 @@
           <a:p>
             <a:fld id="{AA4FD392-7D14-48AF-ACA3-62E13F455BAB}" type="datetimeFigureOut">
               <a:rPr lang="en-GB" smtClean="0"/>
-              <a:t>13/12/2021</a:t>
+              <a:t>14/12/2021</a:t>
             </a:fld>
             <a:endParaRPr lang="en-GB"/>
           </a:p>
@@ -465,7 +470,7 @@
           <a:p>
             <a:fld id="{AA4FD392-7D14-48AF-ACA3-62E13F455BAB}" type="datetimeFigureOut">
               <a:rPr lang="en-GB" smtClean="0"/>
-              <a:t>13/12/2021</a:t>
+              <a:t>14/12/2021</a:t>
             </a:fld>
             <a:endParaRPr lang="en-GB"/>
           </a:p>
@@ -688,7 +693,7 @@
           <a:p>
             <a:fld id="{AA4FD392-7D14-48AF-ACA3-62E13F455BAB}" type="datetimeFigureOut">
               <a:rPr lang="en-GB" smtClean="0"/>
-              <a:t>13/12/2021</a:t>
+              <a:t>14/12/2021</a:t>
             </a:fld>
             <a:endParaRPr lang="en-GB"/>
           </a:p>
@@ -868,7 +873,7 @@
           <a:p>
             <a:fld id="{AA4FD392-7D14-48AF-ACA3-62E13F455BAB}" type="datetimeFigureOut">
               <a:rPr lang="en-GB" smtClean="0"/>
-              <a:t>13/12/2021</a:t>
+              <a:t>14/12/2021</a:t>
             </a:fld>
             <a:endParaRPr lang="en-GB"/>
           </a:p>
@@ -1174,7 +1179,7 @@
           <a:p>
             <a:fld id="{AA4FD392-7D14-48AF-ACA3-62E13F455BAB}" type="datetimeFigureOut">
               <a:rPr lang="en-GB" smtClean="0"/>
-              <a:t>13/12/2021</a:t>
+              <a:t>14/12/2021</a:t>
             </a:fld>
             <a:endParaRPr lang="en-GB"/>
           </a:p>
@@ -1478,7 +1483,7 @@
           <a:p>
             <a:fld id="{AA4FD392-7D14-48AF-ACA3-62E13F455BAB}" type="datetimeFigureOut">
               <a:rPr lang="en-GB" smtClean="0"/>
-              <a:t>13/12/2021</a:t>
+              <a:t>14/12/2021</a:t>
             </a:fld>
             <a:endParaRPr lang="en-GB"/>
           </a:p>
@@ -1900,7 +1905,7 @@
           <a:p>
             <a:fld id="{AA4FD392-7D14-48AF-ACA3-62E13F455BAB}" type="datetimeFigureOut">
               <a:rPr lang="en-GB" smtClean="0"/>
-              <a:t>13/12/2021</a:t>
+              <a:t>14/12/2021</a:t>
             </a:fld>
             <a:endParaRPr lang="en-GB"/>
           </a:p>
@@ -2018,7 +2023,7 @@
           <a:p>
             <a:fld id="{AA4FD392-7D14-48AF-ACA3-62E13F455BAB}" type="datetimeFigureOut">
               <a:rPr lang="en-GB" smtClean="0"/>
-              <a:t>13/12/2021</a:t>
+              <a:t>14/12/2021</a:t>
             </a:fld>
             <a:endParaRPr lang="en-GB"/>
           </a:p>
@@ -2113,7 +2118,7 @@
           <a:p>
             <a:fld id="{AA4FD392-7D14-48AF-ACA3-62E13F455BAB}" type="datetimeFigureOut">
               <a:rPr lang="en-GB" smtClean="0"/>
-              <a:t>13/12/2021</a:t>
+              <a:t>14/12/2021</a:t>
             </a:fld>
             <a:endParaRPr lang="en-GB"/>
           </a:p>
@@ -2386,7 +2391,7 @@
           <a:p>
             <a:fld id="{AA4FD392-7D14-48AF-ACA3-62E13F455BAB}" type="datetimeFigureOut">
               <a:rPr lang="en-GB" smtClean="0"/>
-              <a:t>13/12/2021</a:t>
+              <a:t>14/12/2021</a:t>
             </a:fld>
             <a:endParaRPr lang="en-GB"/>
           </a:p>
@@ -2651,7 +2656,7 @@
           <a:p>
             <a:fld id="{AA4FD392-7D14-48AF-ACA3-62E13F455BAB}" type="datetimeFigureOut">
               <a:rPr lang="en-GB" smtClean="0"/>
-              <a:t>13/12/2021</a:t>
+              <a:t>14/12/2021</a:t>
             </a:fld>
             <a:endParaRPr lang="en-GB"/>
           </a:p>
@@ -2900,7 +2905,7 @@
           <a:p>
             <a:fld id="{AA4FD392-7D14-48AF-ACA3-62E13F455BAB}" type="datetimeFigureOut">
               <a:rPr lang="en-GB" smtClean="0"/>
-              <a:t>13/12/2021</a:t>
+              <a:t>14/12/2021</a:t>
             </a:fld>
             <a:endParaRPr lang="en-GB"/>
           </a:p>
@@ -3411,6 +3416,42 @@
           </a:p>
         </p:txBody>
       </p:sp>
+      <p:pic>
+        <p:nvPicPr>
+          <p:cNvPr id="5" name="Picture 4" descr="Icon&#10;&#10;Description automatically generated">
+            <a:extLst>
+              <a:ext uri="{FF2B5EF4-FFF2-40B4-BE49-F238E27FC236}">
+                <a16:creationId xmlns:a16="http://schemas.microsoft.com/office/drawing/2014/main" id="{C34BDA73-D19F-4B20-B8D6-36962506EED5}"/>
+              </a:ext>
+            </a:extLst>
+          </p:cNvPr>
+          <p:cNvPicPr>
+            <a:picLocks noChangeAspect="1"/>
+          </p:cNvPicPr>
+          <p:nvPr/>
+        </p:nvPicPr>
+        <p:blipFill>
+          <a:blip r:embed="rId2">
+            <a:extLst>
+              <a:ext uri="{28A0092B-C50C-407E-A947-70E740481C1C}">
+                <a14:useLocalDpi xmlns:a14="http://schemas.microsoft.com/office/drawing/2010/main" val="0"/>
+              </a:ext>
+            </a:extLst>
+          </a:blip>
+          <a:stretch>
+            <a:fillRect/>
+          </a:stretch>
+        </p:blipFill>
+        <p:spPr>
+          <a:xfrm>
+            <a:off x="9631016" y="2043394"/>
+            <a:ext cx="1890677" cy="1862317"/>
+          </a:xfrm>
+          <a:prstGeom prst="rect">
+            <a:avLst/>
+          </a:prstGeom>
+        </p:spPr>
+      </p:pic>
     </p:spTree>
     <p:extLst>
       <p:ext uri="{BB962C8B-B14F-4D97-AF65-F5344CB8AC3E}">
@@ -3421,12 +3462,32 @@
   <p:clrMapOvr>
     <a:masterClrMapping/>
   </p:clrMapOvr>
+  <mc:AlternateContent xmlns:mc="http://schemas.openxmlformats.org/markup-compatibility/2006" xmlns:p15="http://schemas.microsoft.com/office/powerpoint/2012/main">
+    <mc:Choice Requires="p15">
+      <p:transition xmlns:p14="http://schemas.microsoft.com/office/powerpoint/2010/main" spd="slow" p14:dur="6000">
+        <p15:prstTrans prst="curtains"/>
+      </p:transition>
+    </mc:Choice>
+    <mc:Fallback xmlns="">
+      <p:transition spd="slow">
+        <p:fade/>
+      </p:transition>
+    </mc:Fallback>
+  </mc:AlternateContent>
 </p:sld>
 </file>
 
 <file path=ppt/slides/slide2.xml><?xml version="1.0" encoding="utf-8"?>
 <p:sld xmlns:a="http://schemas.openxmlformats.org/drawingml/2006/main" xmlns:r="http://schemas.openxmlformats.org/officeDocument/2006/relationships" xmlns:p="http://schemas.openxmlformats.org/presentationml/2006/main">
   <p:cSld>
+    <p:bg>
+      <p:bgPr>
+        <a:solidFill>
+          <a:schemeClr val="bg2"/>
+        </a:solidFill>
+        <a:effectLst/>
+      </p:bgPr>
+    </p:bg>
     <p:spTree>
       <p:nvGrpSpPr>
         <p:cNvPr id="1" name=""/>
@@ -3457,9 +3518,16 @@
             <p:ph type="title"/>
           </p:nvPr>
         </p:nvSpPr>
-        <p:spPr/>
-        <p:txBody>
-          <a:bodyPr/>
+        <p:spPr>
+          <a:xfrm>
+            <a:off x="1202919" y="284176"/>
+            <a:ext cx="9784080" cy="1508760"/>
+          </a:xfrm>
+        </p:spPr>
+        <p:txBody>
+          <a:bodyPr>
+            <a:normAutofit/>
+          </a:bodyPr>
           <a:lstStyle/>
           <a:p>
             <a:r>
@@ -3485,7 +3553,12 @@
             <p:ph idx="1"/>
           </p:nvPr>
         </p:nvSpPr>
-        <p:spPr/>
+        <p:spPr>
+          <a:xfrm>
+            <a:off x="1202919" y="2011680"/>
+            <a:ext cx="6263640" cy="4206240"/>
+          </a:xfrm>
+        </p:spPr>
         <p:txBody>
           <a:bodyPr>
             <a:normAutofit/>
@@ -3496,7 +3569,7 @@
               <a:buNone/>
             </a:pPr>
             <a:r>
-              <a:rPr lang="en-GB" sz="2400" dirty="0">
+              <a:rPr lang="en-GB" dirty="0">
                 <a:effectLst/>
                 <a:latin typeface="Helvetica Neue Light"/>
                 <a:ea typeface="Calibri" panose="020F0502020204030204" pitchFamily="34" charset="0"/>
@@ -3510,7 +3583,7 @@
               <a:buNone/>
             </a:pPr>
             <a:r>
-              <a:rPr lang="en-GB" sz="2400" dirty="0">
+              <a:rPr lang="en-GB" dirty="0">
                 <a:effectLst/>
                 <a:latin typeface="Helvetica Neue Light"/>
                 <a:ea typeface="Calibri" panose="020F0502020204030204" pitchFamily="34" charset="0"/>
@@ -3518,10 +3591,80 @@
               </a:rPr>
               <a:t>However, there is very little concern for the older generation, and this shows with elements such as the font size or image scaling being rather small.</a:t>
             </a:r>
-            <a:endParaRPr lang="en-GB" sz="2400" dirty="0"/>
-          </a:p>
-        </p:txBody>
-      </p:sp>
+            <a:endParaRPr lang="en-GB" dirty="0"/>
+          </a:p>
+        </p:txBody>
+      </p:sp>
+      <p:pic>
+        <p:nvPicPr>
+          <p:cNvPr id="6" name="Picture 5" descr="A screenshot of a video game&#10;&#10;Description automatically generated with medium confidence">
+            <a:extLst>
+              <a:ext uri="{FF2B5EF4-FFF2-40B4-BE49-F238E27FC236}">
+                <a16:creationId xmlns:a16="http://schemas.microsoft.com/office/drawing/2014/main" id="{AC6760F0-A50C-4A72-8982-8005D4BAD6B8}"/>
+              </a:ext>
+            </a:extLst>
+          </p:cNvPr>
+          <p:cNvPicPr>
+            <a:picLocks noChangeAspect="1"/>
+          </p:cNvPicPr>
+          <p:nvPr/>
+        </p:nvPicPr>
+        <p:blipFill rotWithShape="1">
+          <a:blip r:embed="rId2">
+            <a:extLst>
+              <a:ext uri="{28A0092B-C50C-407E-A947-70E740481C1C}">
+                <a14:useLocalDpi xmlns:a14="http://schemas.microsoft.com/office/drawing/2010/main" val="0"/>
+              </a:ext>
+            </a:extLst>
+          </a:blip>
+          <a:srcRect t="46362" r="-2" b="-2"/>
+          <a:stretch/>
+        </p:blipFill>
+        <p:spPr>
+          <a:xfrm>
+            <a:off x="7847215" y="1849460"/>
+            <a:ext cx="4342220" cy="5035972"/>
+          </a:xfrm>
+          <a:prstGeom prst="roundRect">
+            <a:avLst/>
+          </a:prstGeom>
+        </p:spPr>
+      </p:pic>
+      <p:pic>
+        <p:nvPicPr>
+          <p:cNvPr id="5" name="Picture 4" descr="A screenshot of a video game&#10;&#10;Description automatically generated with medium confidence">
+            <a:extLst>
+              <a:ext uri="{FF2B5EF4-FFF2-40B4-BE49-F238E27FC236}">
+                <a16:creationId xmlns:a16="http://schemas.microsoft.com/office/drawing/2014/main" id="{5AF74DCD-5675-4D14-926A-A1DAEA954646}"/>
+              </a:ext>
+            </a:extLst>
+          </p:cNvPr>
+          <p:cNvPicPr>
+            <a:picLocks noChangeAspect="1"/>
+          </p:cNvPicPr>
+          <p:nvPr/>
+        </p:nvPicPr>
+        <p:blipFill rotWithShape="1">
+          <a:blip r:embed="rId2">
+            <a:extLst>
+              <a:ext uri="{28A0092B-C50C-407E-A947-70E740481C1C}">
+                <a14:useLocalDpi xmlns:a14="http://schemas.microsoft.com/office/drawing/2010/main" val="0"/>
+              </a:ext>
+            </a:extLst>
+          </a:blip>
+          <a:srcRect t="46362" r="-2" b="-2"/>
+          <a:stretch/>
+        </p:blipFill>
+        <p:spPr>
+          <a:xfrm>
+            <a:off x="7849780" y="1822028"/>
+            <a:ext cx="4342220" cy="5035972"/>
+          </a:xfrm>
+          <a:prstGeom prst="roundRect">
+            <a:avLst/>
+          </a:prstGeom>
+        </p:spPr>
+      </p:pic>
     </p:spTree>
     <p:extLst>
       <p:ext uri="{BB962C8B-B14F-4D97-AF65-F5344CB8AC3E}">
@@ -3532,12 +3675,32 @@
   <p:clrMapOvr>
     <a:masterClrMapping/>
   </p:clrMapOvr>
+  <mc:AlternateContent xmlns:mc="http://schemas.openxmlformats.org/markup-compatibility/2006" xmlns:p14="http://schemas.microsoft.com/office/powerpoint/2010/main">
+    <mc:Choice Requires="p14">
+      <p:transition spd="slow" p14:dur="1500">
+        <p:split orient="vert"/>
+      </p:transition>
+    </mc:Choice>
+    <mc:Fallback xmlns="">
+      <p:transition spd="slow">
+        <p:split orient="vert"/>
+      </p:transition>
+    </mc:Fallback>
+  </mc:AlternateContent>
 </p:sld>
 </file>
 
 <file path=ppt/slides/slide3.xml><?xml version="1.0" encoding="utf-8"?>
 <p:sld xmlns:a="http://schemas.openxmlformats.org/drawingml/2006/main" xmlns:r="http://schemas.openxmlformats.org/officeDocument/2006/relationships" xmlns:p="http://schemas.openxmlformats.org/presentationml/2006/main">
   <p:cSld>
+    <p:bg>
+      <p:bgPr>
+        <a:solidFill>
+          <a:schemeClr val="bg1"/>
+        </a:solidFill>
+        <a:effectLst/>
+      </p:bgPr>
+    </p:bg>
     <p:spTree>
       <p:nvGrpSpPr>
         <p:cNvPr id="1" name=""/>
@@ -3552,6 +3715,213 @@
           <a:chExt cx="0" cy="0"/>
         </a:xfrm>
       </p:grpSpPr>
+      <p:pic>
+        <p:nvPicPr>
+          <p:cNvPr id="1026" name="Picture 2" descr="Seniors Struggle with Devices | Design and Development Today">
+            <a:extLst>
+              <a:ext uri="{FF2B5EF4-FFF2-40B4-BE49-F238E27FC236}">
+                <a16:creationId xmlns:a16="http://schemas.microsoft.com/office/drawing/2014/main" id="{0B35C473-E854-4BD3-9016-8962166E0A4A}"/>
+              </a:ext>
+            </a:extLst>
+          </p:cNvPr>
+          <p:cNvPicPr>
+            <a:picLocks noChangeAspect="1" noChangeArrowheads="1"/>
+          </p:cNvPicPr>
+          <p:nvPr/>
+        </p:nvPicPr>
+        <p:blipFill rotWithShape="1">
+          <a:blip r:embed="rId2">
+            <a:alphaModFix amt="25000"/>
+            <a:extLst>
+              <a:ext uri="{28A0092B-C50C-407E-A947-70E740481C1C}">
+                <a14:useLocalDpi xmlns:a14="http://schemas.microsoft.com/office/drawing/2010/main" val="0"/>
+              </a:ext>
+            </a:extLst>
+          </a:blip>
+          <a:srcRect/>
+          <a:stretch/>
+        </p:blipFill>
+        <p:spPr bwMode="auto">
+          <a:xfrm>
+            <a:off x="20" y="10"/>
+            <a:ext cx="12191980" cy="6857990"/>
+          </a:xfrm>
+          <a:prstGeom prst="rect">
+            <a:avLst/>
+          </a:prstGeom>
+          <a:noFill/>
+          <a:extLst>
+            <a:ext uri="{909E8E84-426E-40DD-AFC4-6F175D3DCCD1}">
+              <a14:hiddenFill xmlns:a14="http://schemas.microsoft.com/office/drawing/2010/main">
+                <a:solidFill>
+                  <a:srgbClr val="FFFFFF"/>
+                </a:solidFill>
+              </a14:hiddenFill>
+            </a:ext>
+          </a:extLst>
+        </p:spPr>
+      </p:pic>
+      <p:sp>
+        <p:nvSpPr>
+          <p:cNvPr id="71" name="Rectangle 70">
+            <a:extLst>
+              <a:ext uri="{FF2B5EF4-FFF2-40B4-BE49-F238E27FC236}">
+                <a16:creationId xmlns:a16="http://schemas.microsoft.com/office/drawing/2014/main" id="{24F3C611-0CF5-45ED-9190-A7A9C19ACAAB}"/>
+              </a:ext>
+              <a:ext uri="{C183D7F6-B498-43B3-948B-1728B52AA6E4}">
+                <adec:decorative xmlns:adec="http://schemas.microsoft.com/office/drawing/2017/decorative" val="1"/>
+              </a:ext>
+            </a:extLst>
+          </p:cNvPr>
+          <p:cNvSpPr>
+            <a:spLocks noGrp="1" noRot="1" noChangeAspect="1" noMove="1" noResize="1" noEditPoints="1" noAdjustHandles="1" noChangeArrowheads="1" noChangeShapeType="1" noTextEdit="1"/>
+          </p:cNvSpPr>
+          <p:nvPr>
+            <p:extLst>
+              <p:ext uri="{386F3935-93C4-4BCD-93E2-E3B085C9AB24}">
+                <p16:designElem xmlns:p16="http://schemas.microsoft.com/office/powerpoint/2015/main" val="1"/>
+              </p:ext>
+            </p:extLst>
+          </p:nvPr>
+        </p:nvSpPr>
+        <p:spPr>
+          <a:xfrm>
+            <a:off x="3048" y="186048"/>
+            <a:ext cx="12188952" cy="1645919"/>
+          </a:xfrm>
+          <a:prstGeom prst="rect">
+            <a:avLst/>
+          </a:prstGeom>
+          <a:solidFill>
+            <a:schemeClr val="tx1"/>
+          </a:solidFill>
+          <a:ln>
+            <a:noFill/>
+          </a:ln>
+        </p:spPr>
+        <p:style>
+          <a:lnRef idx="2">
+            <a:schemeClr val="accent1">
+              <a:shade val="50000"/>
+            </a:schemeClr>
+          </a:lnRef>
+          <a:fillRef idx="1">
+            <a:schemeClr val="accent1"/>
+          </a:fillRef>
+          <a:effectRef idx="0">
+            <a:schemeClr val="accent1"/>
+          </a:effectRef>
+          <a:fontRef idx="minor">
+            <a:schemeClr val="lt1"/>
+          </a:fontRef>
+        </p:style>
+        <p:txBody>
+          <a:bodyPr rtlCol="0" anchor="ctr"/>
+          <a:lstStyle>
+            <a:defPPr>
+              <a:defRPr lang="en-US"/>
+            </a:defPPr>
+            <a:lvl1pPr marL="0" algn="l" defTabSz="914400" rtl="0" eaLnBrk="1" latinLnBrk="0" hangingPunct="1">
+              <a:defRPr sz="1800" kern="1200">
+                <a:solidFill>
+                  <a:schemeClr val="lt1"/>
+                </a:solidFill>
+                <a:latin typeface="+mn-lt"/>
+                <a:ea typeface="+mn-ea"/>
+                <a:cs typeface="+mn-cs"/>
+              </a:defRPr>
+            </a:lvl1pPr>
+            <a:lvl2pPr marL="457200" algn="l" defTabSz="914400" rtl="0" eaLnBrk="1" latinLnBrk="0" hangingPunct="1">
+              <a:defRPr sz="1800" kern="1200">
+                <a:solidFill>
+                  <a:schemeClr val="lt1"/>
+                </a:solidFill>
+                <a:latin typeface="+mn-lt"/>
+                <a:ea typeface="+mn-ea"/>
+                <a:cs typeface="+mn-cs"/>
+              </a:defRPr>
+            </a:lvl2pPr>
+            <a:lvl3pPr marL="914400" algn="l" defTabSz="914400" rtl="0" eaLnBrk="1" latinLnBrk="0" hangingPunct="1">
+              <a:defRPr sz="1800" kern="1200">
+                <a:solidFill>
+                  <a:schemeClr val="lt1"/>
+                </a:solidFill>
+                <a:latin typeface="+mn-lt"/>
+                <a:ea typeface="+mn-ea"/>
+                <a:cs typeface="+mn-cs"/>
+              </a:defRPr>
+            </a:lvl3pPr>
+            <a:lvl4pPr marL="1371600" algn="l" defTabSz="914400" rtl="0" eaLnBrk="1" latinLnBrk="0" hangingPunct="1">
+              <a:defRPr sz="1800" kern="1200">
+                <a:solidFill>
+                  <a:schemeClr val="lt1"/>
+                </a:solidFill>
+                <a:latin typeface="+mn-lt"/>
+                <a:ea typeface="+mn-ea"/>
+                <a:cs typeface="+mn-cs"/>
+              </a:defRPr>
+            </a:lvl4pPr>
+            <a:lvl5pPr marL="1828800" algn="l" defTabSz="914400" rtl="0" eaLnBrk="1" latinLnBrk="0" hangingPunct="1">
+              <a:defRPr sz="1800" kern="1200">
+                <a:solidFill>
+                  <a:schemeClr val="lt1"/>
+                </a:solidFill>
+                <a:latin typeface="+mn-lt"/>
+                <a:ea typeface="+mn-ea"/>
+                <a:cs typeface="+mn-cs"/>
+              </a:defRPr>
+            </a:lvl5pPr>
+            <a:lvl6pPr marL="2286000" algn="l" defTabSz="914400" rtl="0" eaLnBrk="1" latinLnBrk="0" hangingPunct="1">
+              <a:defRPr sz="1800" kern="1200">
+                <a:solidFill>
+                  <a:schemeClr val="lt1"/>
+                </a:solidFill>
+                <a:latin typeface="+mn-lt"/>
+                <a:ea typeface="+mn-ea"/>
+                <a:cs typeface="+mn-cs"/>
+              </a:defRPr>
+            </a:lvl6pPr>
+            <a:lvl7pPr marL="2743200" algn="l" defTabSz="914400" rtl="0" eaLnBrk="1" latinLnBrk="0" hangingPunct="1">
+              <a:defRPr sz="1800" kern="1200">
+                <a:solidFill>
+                  <a:schemeClr val="lt1"/>
+                </a:solidFill>
+                <a:latin typeface="+mn-lt"/>
+                <a:ea typeface="+mn-ea"/>
+                <a:cs typeface="+mn-cs"/>
+              </a:defRPr>
+            </a:lvl7pPr>
+            <a:lvl8pPr marL="3200400" algn="l" defTabSz="914400" rtl="0" eaLnBrk="1" latinLnBrk="0" hangingPunct="1">
+              <a:defRPr sz="1800" kern="1200">
+                <a:solidFill>
+                  <a:schemeClr val="lt1"/>
+                </a:solidFill>
+                <a:latin typeface="+mn-lt"/>
+                <a:ea typeface="+mn-ea"/>
+                <a:cs typeface="+mn-cs"/>
+              </a:defRPr>
+            </a:lvl8pPr>
+            <a:lvl9pPr marL="3657600" algn="l" defTabSz="914400" rtl="0" eaLnBrk="1" latinLnBrk="0" hangingPunct="1">
+              <a:defRPr sz="1800" kern="1200">
+                <a:solidFill>
+                  <a:schemeClr val="lt1"/>
+                </a:solidFill>
+                <a:latin typeface="+mn-lt"/>
+                <a:ea typeface="+mn-ea"/>
+                <a:cs typeface="+mn-cs"/>
+              </a:defRPr>
+            </a:lvl9pPr>
+          </a:lstStyle>
+          <a:p>
+            <a:pPr algn="ctr"/>
+            <a:endParaRPr lang="en-US" dirty="0">
+              <a:solidFill>
+                <a:srgbClr val="FFFFFF"/>
+              </a:solidFill>
+            </a:endParaRPr>
+          </a:p>
+        </p:txBody>
+      </p:sp>
       <p:sp>
         <p:nvSpPr>
           <p:cNvPr id="2" name="Title 1">
@@ -3568,9 +3938,16 @@
             <p:ph type="title"/>
           </p:nvPr>
         </p:nvSpPr>
-        <p:spPr/>
-        <p:txBody>
-          <a:bodyPr/>
+        <p:spPr>
+          <a:xfrm>
+            <a:off x="1202919" y="284176"/>
+            <a:ext cx="9784080" cy="1508760"/>
+          </a:xfrm>
+        </p:spPr>
+        <p:txBody>
+          <a:bodyPr>
+            <a:normAutofit/>
+          </a:bodyPr>
           <a:lstStyle/>
           <a:p>
             <a:r>
@@ -3596,16 +3973,23 @@
             <p:ph idx="1"/>
           </p:nvPr>
         </p:nvSpPr>
-        <p:spPr/>
-        <p:txBody>
-          <a:bodyPr/>
+        <p:spPr>
+          <a:xfrm>
+            <a:off x="1202919" y="2011680"/>
+            <a:ext cx="9784080" cy="4206240"/>
+          </a:xfrm>
+        </p:spPr>
+        <p:txBody>
+          <a:bodyPr>
+            <a:normAutofit/>
+          </a:bodyPr>
           <a:lstStyle/>
           <a:p>
             <a:pPr marL="0" indent="0">
               <a:buNone/>
             </a:pPr>
             <a:r>
-              <a:rPr lang="en-GB" sz="2400" dirty="0">
+              <a:rPr lang="en-GB" dirty="0">
                 <a:effectLst/>
                 <a:latin typeface="Helvetica Neue Light"/>
                 <a:ea typeface="Calibri" panose="020F0502020204030204" pitchFamily="34" charset="0"/>
@@ -3618,7 +4002,7 @@
             <a:pPr marL="0" indent="0">
               <a:buNone/>
             </a:pPr>
-            <a:endParaRPr lang="en-GB" sz="2400" dirty="0">
+            <a:endParaRPr lang="en-GB" dirty="0">
               <a:effectLst/>
               <a:latin typeface="Helvetica Neue Light"/>
               <a:ea typeface="Calibri" panose="020F0502020204030204" pitchFamily="34" charset="0"/>
@@ -3630,7 +4014,7 @@
               <a:buNone/>
             </a:pPr>
             <a:r>
-              <a:rPr lang="en-GB" sz="2400" dirty="0">
+              <a:rPr lang="en-GB" dirty="0">
                 <a:effectLst/>
                 <a:latin typeface="Helvetica Neue Light"/>
                 <a:ea typeface="Calibri" panose="020F0502020204030204" pitchFamily="34" charset="0"/>
@@ -3651,6 +4035,18 @@
   <p:clrMapOvr>
     <a:masterClrMapping/>
   </p:clrMapOvr>
+  <mc:AlternateContent xmlns:mc="http://schemas.openxmlformats.org/markup-compatibility/2006" xmlns:p14="http://schemas.microsoft.com/office/powerpoint/2010/main">
+    <mc:Choice Requires="p14">
+      <p:transition spd="slow" p14:dur="3000">
+        <p14:shred/>
+      </p:transition>
+    </mc:Choice>
+    <mc:Fallback xmlns="">
+      <p:transition spd="slow">
+        <p:fade/>
+      </p:transition>
+    </mc:Fallback>
+  </mc:AlternateContent>
 </p:sld>
 </file>
 
@@ -3741,6 +4137,134 @@
           </a:p>
         </p:txBody>
       </p:sp>
+      <p:pic>
+        <p:nvPicPr>
+          <p:cNvPr id="2050" name="Picture 2" descr="Group of old people cartoon characters happy Vector Image">
+            <a:extLst>
+              <a:ext uri="{FF2B5EF4-FFF2-40B4-BE49-F238E27FC236}">
+                <a16:creationId xmlns:a16="http://schemas.microsoft.com/office/drawing/2014/main" id="{75618E29-0A35-4C68-99C5-2390342F8E44}"/>
+              </a:ext>
+            </a:extLst>
+          </p:cNvPr>
+          <p:cNvPicPr>
+            <a:picLocks noChangeAspect="1" noChangeArrowheads="1"/>
+          </p:cNvPicPr>
+          <p:nvPr/>
+        </p:nvPicPr>
+        <p:blipFill rotWithShape="1">
+          <a:blip r:embed="rId2">
+            <a:extLst>
+              <a:ext uri="{28A0092B-C50C-407E-A947-70E740481C1C}">
+                <a14:useLocalDpi xmlns:a14="http://schemas.microsoft.com/office/drawing/2010/main" val="0"/>
+              </a:ext>
+            </a:extLst>
+          </a:blip>
+          <a:srcRect b="10091"/>
+          <a:stretch/>
+        </p:blipFill>
+        <p:spPr bwMode="auto">
+          <a:xfrm>
+            <a:off x="3418715" y="2915978"/>
+            <a:ext cx="5352487" cy="3753952"/>
+          </a:xfrm>
+          <a:prstGeom prst="rect">
+            <a:avLst/>
+          </a:prstGeom>
+          <a:ln w="88900" cap="sq" cmpd="thickThin">
+            <a:solidFill>
+              <a:srgbClr val="000000"/>
+            </a:solidFill>
+            <a:prstDash val="solid"/>
+            <a:miter lim="800000"/>
+          </a:ln>
+          <a:effectLst>
+            <a:innerShdw blurRad="76200">
+              <a:srgbClr val="000000"/>
+            </a:innerShdw>
+          </a:effectLst>
+          <a:extLst>
+            <a:ext uri="{909E8E84-426E-40DD-AFC4-6F175D3DCCD1}">
+              <a14:hiddenFill xmlns:a14="http://schemas.microsoft.com/office/drawing/2010/main">
+                <a:solidFill>
+                  <a:srgbClr val="FFFFFF"/>
+                </a:solidFill>
+              </a14:hiddenFill>
+            </a:ext>
+          </a:extLst>
+        </p:spPr>
+      </p:pic>
+      <p:pic>
+        <p:nvPicPr>
+          <p:cNvPr id="2052" name="Picture 4" descr="Paper Drawing Pin, PNG, 2000x3275px, Paper, Black, Black And White,  Drawing, Drawing Pin Download Free">
+            <a:extLst>
+              <a:ext uri="{FF2B5EF4-FFF2-40B4-BE49-F238E27FC236}">
+                <a16:creationId xmlns:a16="http://schemas.microsoft.com/office/drawing/2014/main" id="{BBEFFCF4-9D79-4354-9C3C-EA3F2E09CEF0}"/>
+              </a:ext>
+            </a:extLst>
+          </p:cNvPr>
+          <p:cNvPicPr>
+            <a:picLocks noChangeAspect="1" noChangeArrowheads="1"/>
+          </p:cNvPicPr>
+          <p:nvPr/>
+        </p:nvPicPr>
+        <p:blipFill>
+          <a:blip r:embed="rId3">
+            <a:extLst>
+              <a:ext uri="{BEBA8EAE-BF5A-486C-A8C5-ECC9F3942E4B}">
+                <a14:imgProps xmlns:a14="http://schemas.microsoft.com/office/drawing/2010/main">
+                  <a14:imgLayer r:embed="rId4">
+                    <a14:imgEffect>
+                      <a14:backgroundRemoval t="9911" b="89866" l="1220" r="90000">
+                        <a14:foregroundMark x1="6463" y1="47615" x2="6463" y2="47615"/>
+                        <a14:foregroundMark x1="1220" y1="44113" x2="1220" y2="44113"/>
+                        <a14:foregroundMark x1="11621" y1="64891" x2="15610" y2="61326"/>
+                        <a14:foregroundMark x1="7910" y1="66946" x2="7561" y2="67586"/>
+                        <a14:foregroundMark x1="8178" y1="66454" x2="7969" y2="66837"/>
+                        <a14:backgroundMark x1="22561" y1="73472" x2="22561" y2="73472"/>
+                        <a14:backgroundMark x1="5976" y1="73472" x2="43659" y2="70268"/>
+                        <a14:backgroundMark x1="43659" y1="70268" x2="53293" y2="70939"/>
+                        <a14:backgroundMark x1="9634" y1="68405" x2="9634" y2="68405"/>
+                        <a14:backgroundMark x1="8780" y1="69300" x2="9878" y2="66766"/>
+                        <a14:backgroundMark x1="9878" y1="66766" x2="13293" y2="66319"/>
+                        <a14:backgroundMark x1="9146" y1="65350" x2="14024" y2="67437"/>
+                        <a14:backgroundMark x1="8049" y1="67213" x2="8049" y2="66990"/>
+                        <a14:backgroundMark x1="6098" y1="63338" x2="8049" y2="64232"/>
+                        <a14:backgroundMark x1="8049" y1="65127" x2="9512" y2="65350"/>
+                      </a14:backgroundRemoval>
+                    </a14:imgEffect>
+                  </a14:imgLayer>
+                </a14:imgProps>
+              </a:ext>
+              <a:ext uri="{28A0092B-C50C-407E-A947-70E740481C1C}">
+                <a14:useLocalDpi xmlns:a14="http://schemas.microsoft.com/office/drawing/2010/main" val="0"/>
+              </a:ext>
+            </a:extLst>
+          </a:blip>
+          <a:srcRect/>
+          <a:stretch>
+            <a:fillRect/>
+          </a:stretch>
+        </p:blipFill>
+        <p:spPr bwMode="auto">
+          <a:xfrm>
+            <a:off x="6015274" y="2724862"/>
+            <a:ext cx="430307" cy="704138"/>
+          </a:xfrm>
+          <a:prstGeom prst="rect">
+            <a:avLst/>
+          </a:prstGeom>
+          <a:noFill/>
+          <a:extLst>
+            <a:ext uri="{909E8E84-426E-40DD-AFC4-6F175D3DCCD1}">
+              <a14:hiddenFill xmlns:a14="http://schemas.microsoft.com/office/drawing/2010/main">
+                <a:solidFill>
+                  <a:srgbClr val="FFFFFF"/>
+                </a:solidFill>
+              </a14:hiddenFill>
+            </a:ext>
+          </a:extLst>
+        </p:spPr>
+      </p:pic>
     </p:spTree>
     <p:extLst>
       <p:ext uri="{BB962C8B-B14F-4D97-AF65-F5344CB8AC3E}">
@@ -3751,12 +4275,32 @@
   <p:clrMapOvr>
     <a:masterClrMapping/>
   </p:clrMapOvr>
+  <mc:AlternateContent xmlns:mc="http://schemas.openxmlformats.org/markup-compatibility/2006" xmlns:p14="http://schemas.microsoft.com/office/powerpoint/2010/main">
+    <mc:Choice Requires="p14">
+      <p:transition spd="slow" p14:dur="1600">
+        <p14:conveyor dir="l"/>
+      </p:transition>
+    </mc:Choice>
+    <mc:Fallback xmlns="">
+      <p:transition spd="slow">
+        <p:fade/>
+      </p:transition>
+    </mc:Fallback>
+  </mc:AlternateContent>
 </p:sld>
 </file>
 
 <file path=ppt/slides/slide5.xml><?xml version="1.0" encoding="utf-8"?>
 <p:sld xmlns:a="http://schemas.openxmlformats.org/drawingml/2006/main" xmlns:r="http://schemas.openxmlformats.org/officeDocument/2006/relationships" xmlns:p="http://schemas.openxmlformats.org/presentationml/2006/main">
   <p:cSld>
+    <p:bg>
+      <p:bgPr>
+        <a:solidFill>
+          <a:schemeClr val="bg1"/>
+        </a:solidFill>
+        <a:effectLst/>
+      </p:bgPr>
+    </p:bg>
     <p:spTree>
       <p:nvGrpSpPr>
         <p:cNvPr id="1" name=""/>
@@ -3771,6 +4315,213 @@
           <a:chExt cx="0" cy="0"/>
         </a:xfrm>
       </p:grpSpPr>
+      <p:pic>
+        <p:nvPicPr>
+          <p:cNvPr id="3076" name="Picture 4" descr="Elderly users require different elements to ensure accessibility.">
+            <a:extLst>
+              <a:ext uri="{FF2B5EF4-FFF2-40B4-BE49-F238E27FC236}">
+                <a16:creationId xmlns:a16="http://schemas.microsoft.com/office/drawing/2014/main" id="{560B1166-94A3-41E8-BA74-F56159BCCA94}"/>
+              </a:ext>
+            </a:extLst>
+          </p:cNvPr>
+          <p:cNvPicPr>
+            <a:picLocks noChangeAspect="1" noChangeArrowheads="1"/>
+          </p:cNvPicPr>
+          <p:nvPr/>
+        </p:nvPicPr>
+        <p:blipFill rotWithShape="1">
+          <a:blip r:embed="rId2">
+            <a:alphaModFix amt="25000"/>
+            <a:extLst>
+              <a:ext uri="{28A0092B-C50C-407E-A947-70E740481C1C}">
+                <a14:useLocalDpi xmlns:a14="http://schemas.microsoft.com/office/drawing/2010/main" val="0"/>
+              </a:ext>
+            </a:extLst>
+          </a:blip>
+          <a:srcRect t="3846"/>
+          <a:stretch/>
+        </p:blipFill>
+        <p:spPr bwMode="auto">
+          <a:xfrm>
+            <a:off x="20" y="0"/>
+            <a:ext cx="12191980" cy="6857990"/>
+          </a:xfrm>
+          <a:prstGeom prst="rect">
+            <a:avLst/>
+          </a:prstGeom>
+          <a:noFill/>
+          <a:extLst>
+            <a:ext uri="{909E8E84-426E-40DD-AFC4-6F175D3DCCD1}">
+              <a14:hiddenFill xmlns:a14="http://schemas.microsoft.com/office/drawing/2010/main">
+                <a:solidFill>
+                  <a:srgbClr val="FFFFFF"/>
+                </a:solidFill>
+              </a14:hiddenFill>
+            </a:ext>
+          </a:extLst>
+        </p:spPr>
+      </p:pic>
+      <p:sp>
+        <p:nvSpPr>
+          <p:cNvPr id="3078" name="Rectangle 136">
+            <a:extLst>
+              <a:ext uri="{FF2B5EF4-FFF2-40B4-BE49-F238E27FC236}">
+                <a16:creationId xmlns:a16="http://schemas.microsoft.com/office/drawing/2014/main" id="{24F3C611-0CF5-45ED-9190-A7A9C19ACAAB}"/>
+              </a:ext>
+              <a:ext uri="{C183D7F6-B498-43B3-948B-1728B52AA6E4}">
+                <adec:decorative xmlns:adec="http://schemas.microsoft.com/office/drawing/2017/decorative" val="1"/>
+              </a:ext>
+            </a:extLst>
+          </p:cNvPr>
+          <p:cNvSpPr>
+            <a:spLocks noGrp="1" noRot="1" noChangeAspect="1" noMove="1" noResize="1" noEditPoints="1" noAdjustHandles="1" noChangeArrowheads="1" noChangeShapeType="1" noTextEdit="1"/>
+          </p:cNvSpPr>
+          <p:nvPr>
+            <p:extLst>
+              <p:ext uri="{386F3935-93C4-4BCD-93E2-E3B085C9AB24}">
+                <p16:designElem xmlns:p16="http://schemas.microsoft.com/office/powerpoint/2015/main" val="1"/>
+              </p:ext>
+            </p:extLst>
+          </p:nvPr>
+        </p:nvSpPr>
+        <p:spPr>
+          <a:xfrm>
+            <a:off x="3048" y="186048"/>
+            <a:ext cx="12188952" cy="1645919"/>
+          </a:xfrm>
+          <a:prstGeom prst="rect">
+            <a:avLst/>
+          </a:prstGeom>
+          <a:solidFill>
+            <a:schemeClr val="tx1"/>
+          </a:solidFill>
+          <a:ln>
+            <a:noFill/>
+          </a:ln>
+        </p:spPr>
+        <p:style>
+          <a:lnRef idx="2">
+            <a:schemeClr val="accent1">
+              <a:shade val="50000"/>
+            </a:schemeClr>
+          </a:lnRef>
+          <a:fillRef idx="1">
+            <a:schemeClr val="accent1"/>
+          </a:fillRef>
+          <a:effectRef idx="0">
+            <a:schemeClr val="accent1"/>
+          </a:effectRef>
+          <a:fontRef idx="minor">
+            <a:schemeClr val="lt1"/>
+          </a:fontRef>
+        </p:style>
+        <p:txBody>
+          <a:bodyPr rtlCol="0" anchor="ctr"/>
+          <a:lstStyle>
+            <a:defPPr>
+              <a:defRPr lang="en-US"/>
+            </a:defPPr>
+            <a:lvl1pPr marL="0" algn="l" defTabSz="914400" rtl="0" eaLnBrk="1" latinLnBrk="0" hangingPunct="1">
+              <a:defRPr sz="1800" kern="1200">
+                <a:solidFill>
+                  <a:schemeClr val="lt1"/>
+                </a:solidFill>
+                <a:latin typeface="+mn-lt"/>
+                <a:ea typeface="+mn-ea"/>
+                <a:cs typeface="+mn-cs"/>
+              </a:defRPr>
+            </a:lvl1pPr>
+            <a:lvl2pPr marL="457200" algn="l" defTabSz="914400" rtl="0" eaLnBrk="1" latinLnBrk="0" hangingPunct="1">
+              <a:defRPr sz="1800" kern="1200">
+                <a:solidFill>
+                  <a:schemeClr val="lt1"/>
+                </a:solidFill>
+                <a:latin typeface="+mn-lt"/>
+                <a:ea typeface="+mn-ea"/>
+                <a:cs typeface="+mn-cs"/>
+              </a:defRPr>
+            </a:lvl2pPr>
+            <a:lvl3pPr marL="914400" algn="l" defTabSz="914400" rtl="0" eaLnBrk="1" latinLnBrk="0" hangingPunct="1">
+              <a:defRPr sz="1800" kern="1200">
+                <a:solidFill>
+                  <a:schemeClr val="lt1"/>
+                </a:solidFill>
+                <a:latin typeface="+mn-lt"/>
+                <a:ea typeface="+mn-ea"/>
+                <a:cs typeface="+mn-cs"/>
+              </a:defRPr>
+            </a:lvl3pPr>
+            <a:lvl4pPr marL="1371600" algn="l" defTabSz="914400" rtl="0" eaLnBrk="1" latinLnBrk="0" hangingPunct="1">
+              <a:defRPr sz="1800" kern="1200">
+                <a:solidFill>
+                  <a:schemeClr val="lt1"/>
+                </a:solidFill>
+                <a:latin typeface="+mn-lt"/>
+                <a:ea typeface="+mn-ea"/>
+                <a:cs typeface="+mn-cs"/>
+              </a:defRPr>
+            </a:lvl4pPr>
+            <a:lvl5pPr marL="1828800" algn="l" defTabSz="914400" rtl="0" eaLnBrk="1" latinLnBrk="0" hangingPunct="1">
+              <a:defRPr sz="1800" kern="1200">
+                <a:solidFill>
+                  <a:schemeClr val="lt1"/>
+                </a:solidFill>
+                <a:latin typeface="+mn-lt"/>
+                <a:ea typeface="+mn-ea"/>
+                <a:cs typeface="+mn-cs"/>
+              </a:defRPr>
+            </a:lvl5pPr>
+            <a:lvl6pPr marL="2286000" algn="l" defTabSz="914400" rtl="0" eaLnBrk="1" latinLnBrk="0" hangingPunct="1">
+              <a:defRPr sz="1800" kern="1200">
+                <a:solidFill>
+                  <a:schemeClr val="lt1"/>
+                </a:solidFill>
+                <a:latin typeface="+mn-lt"/>
+                <a:ea typeface="+mn-ea"/>
+                <a:cs typeface="+mn-cs"/>
+              </a:defRPr>
+            </a:lvl6pPr>
+            <a:lvl7pPr marL="2743200" algn="l" defTabSz="914400" rtl="0" eaLnBrk="1" latinLnBrk="0" hangingPunct="1">
+              <a:defRPr sz="1800" kern="1200">
+                <a:solidFill>
+                  <a:schemeClr val="lt1"/>
+                </a:solidFill>
+                <a:latin typeface="+mn-lt"/>
+                <a:ea typeface="+mn-ea"/>
+                <a:cs typeface="+mn-cs"/>
+              </a:defRPr>
+            </a:lvl7pPr>
+            <a:lvl8pPr marL="3200400" algn="l" defTabSz="914400" rtl="0" eaLnBrk="1" latinLnBrk="0" hangingPunct="1">
+              <a:defRPr sz="1800" kern="1200">
+                <a:solidFill>
+                  <a:schemeClr val="lt1"/>
+                </a:solidFill>
+                <a:latin typeface="+mn-lt"/>
+                <a:ea typeface="+mn-ea"/>
+                <a:cs typeface="+mn-cs"/>
+              </a:defRPr>
+            </a:lvl8pPr>
+            <a:lvl9pPr marL="3657600" algn="l" defTabSz="914400" rtl="0" eaLnBrk="1" latinLnBrk="0" hangingPunct="1">
+              <a:defRPr sz="1800" kern="1200">
+                <a:solidFill>
+                  <a:schemeClr val="lt1"/>
+                </a:solidFill>
+                <a:latin typeface="+mn-lt"/>
+                <a:ea typeface="+mn-ea"/>
+                <a:cs typeface="+mn-cs"/>
+              </a:defRPr>
+            </a:lvl9pPr>
+          </a:lstStyle>
+          <a:p>
+            <a:pPr algn="ctr"/>
+            <a:endParaRPr lang="en-US" dirty="0">
+              <a:solidFill>
+                <a:srgbClr val="FFFFFF"/>
+              </a:solidFill>
+            </a:endParaRPr>
+          </a:p>
+        </p:txBody>
+      </p:sp>
       <p:sp>
         <p:nvSpPr>
           <p:cNvPr id="2" name="Title 1">
@@ -3787,9 +4538,16 @@
             <p:ph type="title"/>
           </p:nvPr>
         </p:nvSpPr>
-        <p:spPr/>
-        <p:txBody>
-          <a:bodyPr/>
+        <p:spPr>
+          <a:xfrm>
+            <a:off x="1202919" y="284176"/>
+            <a:ext cx="9784080" cy="1508760"/>
+          </a:xfrm>
+        </p:spPr>
+        <p:txBody>
+          <a:bodyPr>
+            <a:normAutofit/>
+          </a:bodyPr>
           <a:lstStyle/>
           <a:p>
             <a:r>
@@ -3815,22 +4573,29 @@
             <p:ph idx="1"/>
           </p:nvPr>
         </p:nvSpPr>
-        <p:spPr/>
-        <p:txBody>
-          <a:bodyPr/>
+        <p:spPr>
+          <a:xfrm>
+            <a:off x="1202919" y="2011680"/>
+            <a:ext cx="9784080" cy="4206240"/>
+          </a:xfrm>
+        </p:spPr>
+        <p:txBody>
+          <a:bodyPr>
+            <a:normAutofit/>
+          </a:bodyPr>
           <a:lstStyle/>
           <a:p>
             <a:pPr marL="0" indent="0">
               <a:buNone/>
             </a:pPr>
             <a:r>
-              <a:rPr lang="en-GB" sz="2400" dirty="0">
+              <a:rPr lang="en-GB" dirty="0">
                 <a:effectLst/>
                 <a:latin typeface="Helvetica Neue Light"/>
                 <a:ea typeface="Calibri" panose="020F0502020204030204" pitchFamily="34" charset="0"/>
                 <a:cs typeface="Times New Roman" panose="02020603050405020304" pitchFamily="18" charset="0"/>
               </a:rPr>
-              <a:t>The restrains I face is restricted information. While I can look up ways to design apps for the older generation I cannot valid statistics of the first bus app userbase. This data would be crucial in designing an app and it will help focus on specific user group needs.</a:t>
+              <a:t>The restrains I face is restricted information. While I can look up ways to design apps for the older generation, I cannot find valid statistics of the first bus app userbase. This data would be crucial in designing an app and it will help focus on specific user group needs.</a:t>
             </a:r>
           </a:p>
           <a:p>
@@ -3851,6 +4616,18 @@
   <p:clrMapOvr>
     <a:masterClrMapping/>
   </p:clrMapOvr>
+  <mc:AlternateContent xmlns:mc="http://schemas.openxmlformats.org/markup-compatibility/2006" xmlns:p15="http://schemas.microsoft.com/office/powerpoint/2012/main">
+    <mc:Choice Requires="p15">
+      <p:transition xmlns:p14="http://schemas.microsoft.com/office/powerpoint/2010/main" spd="slow" p14:dur="1250">
+        <p15:prstTrans prst="peelOff"/>
+      </p:transition>
+    </mc:Choice>
+    <mc:Fallback xmlns="">
+      <p:transition spd="slow">
+        <p:fade/>
+      </p:transition>
+    </mc:Fallback>
+  </mc:AlternateContent>
 </p:sld>
 </file>
 
